--- a/ARQUIVOS DE ORGANIZAÇÃO/sdsdasd.pptx
+++ b/ARQUIVOS DE ORGANIZAÇÃO/sdsdasd.pptx
@@ -264,7 +264,7 @@
           <a:p>
             <a:fld id="{C457A184-CA39-4F09-92D4-120447C72D37}" type="datetimeFigureOut">
               <a:rPr lang="pt-BR" smtClean="0"/>
-              <a:t>11/06/2022</a:t>
+              <a:t>14/06/2022</a:t>
             </a:fld>
             <a:endParaRPr lang="pt-BR"/>
           </a:p>
@@ -462,7 +462,7 @@
           <a:p>
             <a:fld id="{C457A184-CA39-4F09-92D4-120447C72D37}" type="datetimeFigureOut">
               <a:rPr lang="pt-BR" smtClean="0"/>
-              <a:t>11/06/2022</a:t>
+              <a:t>14/06/2022</a:t>
             </a:fld>
             <a:endParaRPr lang="pt-BR"/>
           </a:p>
@@ -670,7 +670,7 @@
           <a:p>
             <a:fld id="{C457A184-CA39-4F09-92D4-120447C72D37}" type="datetimeFigureOut">
               <a:rPr lang="pt-BR" smtClean="0"/>
-              <a:t>11/06/2022</a:t>
+              <a:t>14/06/2022</a:t>
             </a:fld>
             <a:endParaRPr lang="pt-BR"/>
           </a:p>
@@ -868,7 +868,7 @@
           <a:p>
             <a:fld id="{C457A184-CA39-4F09-92D4-120447C72D37}" type="datetimeFigureOut">
               <a:rPr lang="pt-BR" smtClean="0"/>
-              <a:t>11/06/2022</a:t>
+              <a:t>14/06/2022</a:t>
             </a:fld>
             <a:endParaRPr lang="pt-BR"/>
           </a:p>
@@ -1143,7 +1143,7 @@
           <a:p>
             <a:fld id="{C457A184-CA39-4F09-92D4-120447C72D37}" type="datetimeFigureOut">
               <a:rPr lang="pt-BR" smtClean="0"/>
-              <a:t>11/06/2022</a:t>
+              <a:t>14/06/2022</a:t>
             </a:fld>
             <a:endParaRPr lang="pt-BR"/>
           </a:p>
@@ -1408,7 +1408,7 @@
           <a:p>
             <a:fld id="{C457A184-CA39-4F09-92D4-120447C72D37}" type="datetimeFigureOut">
               <a:rPr lang="pt-BR" smtClean="0"/>
-              <a:t>11/06/2022</a:t>
+              <a:t>14/06/2022</a:t>
             </a:fld>
             <a:endParaRPr lang="pt-BR"/>
           </a:p>
@@ -1820,7 +1820,7 @@
           <a:p>
             <a:fld id="{C457A184-CA39-4F09-92D4-120447C72D37}" type="datetimeFigureOut">
               <a:rPr lang="pt-BR" smtClean="0"/>
-              <a:t>11/06/2022</a:t>
+              <a:t>14/06/2022</a:t>
             </a:fld>
             <a:endParaRPr lang="pt-BR"/>
           </a:p>
@@ -1961,7 +1961,7 @@
           <a:p>
             <a:fld id="{C457A184-CA39-4F09-92D4-120447C72D37}" type="datetimeFigureOut">
               <a:rPr lang="pt-BR" smtClean="0"/>
-              <a:t>11/06/2022</a:t>
+              <a:t>14/06/2022</a:t>
             </a:fld>
             <a:endParaRPr lang="pt-BR"/>
           </a:p>
@@ -2074,7 +2074,7 @@
           <a:p>
             <a:fld id="{C457A184-CA39-4F09-92D4-120447C72D37}" type="datetimeFigureOut">
               <a:rPr lang="pt-BR" smtClean="0"/>
-              <a:t>11/06/2022</a:t>
+              <a:t>14/06/2022</a:t>
             </a:fld>
             <a:endParaRPr lang="pt-BR"/>
           </a:p>
@@ -2385,7 +2385,7 @@
           <a:p>
             <a:fld id="{C457A184-CA39-4F09-92D4-120447C72D37}" type="datetimeFigureOut">
               <a:rPr lang="pt-BR" smtClean="0"/>
-              <a:t>11/06/2022</a:t>
+              <a:t>14/06/2022</a:t>
             </a:fld>
             <a:endParaRPr lang="pt-BR"/>
           </a:p>
@@ -2673,7 +2673,7 @@
           <a:p>
             <a:fld id="{C457A184-CA39-4F09-92D4-120447C72D37}" type="datetimeFigureOut">
               <a:rPr lang="pt-BR" smtClean="0"/>
-              <a:t>11/06/2022</a:t>
+              <a:t>14/06/2022</a:t>
             </a:fld>
             <a:endParaRPr lang="pt-BR"/>
           </a:p>
@@ -2914,7 +2914,7 @@
           <a:p>
             <a:fld id="{C457A184-CA39-4F09-92D4-120447C72D37}" type="datetimeFigureOut">
               <a:rPr lang="pt-BR" smtClean="0"/>
-              <a:t>11/06/2022</a:t>
+              <a:t>14/06/2022</a:t>
             </a:fld>
             <a:endParaRPr lang="pt-BR"/>
           </a:p>
@@ -4245,7 +4245,7 @@
             </a:r>
             <a:r>
               <a:rPr lang="pt-BR" dirty="0"/>
-              <a:t>(meta selecionara) {</a:t>
+              <a:t>(meta selecionada) {</a:t>
             </a:r>
           </a:p>
           <a:p>

--- a/ARQUIVOS DE ORGANIZAÇÃO/sdsdasd.pptx
+++ b/ARQUIVOS DE ORGANIZAÇÃO/sdsdasd.pptx
@@ -3834,17 +3834,17 @@
             </a:r>
             <a:r>
               <a:rPr lang="pt-BR" dirty="0"/>
-              <a:t> | Ativo | conta</a:t>
-            </a:r>
-          </a:p>
-        </p:txBody>
-      </p:sp>
-      <p:sp>
-        <p:nvSpPr>
-          <p:cNvPr id="5" name="Retângulo 4">
-            <a:extLst>
-              <a:ext uri="{FF2B5EF4-FFF2-40B4-BE49-F238E27FC236}">
-                <a16:creationId xmlns:a16="http://schemas.microsoft.com/office/drawing/2014/main" id="{FEF68B2C-08EB-91A0-B036-B35FA810C31A}"/>
+              <a:t> | status | conta</a:t>
+            </a:r>
+          </a:p>
+        </p:txBody>
+      </p:sp>
+      <p:sp>
+        <p:nvSpPr>
+          <p:cNvPr id="3" name="Retângulo 2">
+            <a:extLst>
+              <a:ext uri="{FF2B5EF4-FFF2-40B4-BE49-F238E27FC236}">
+                <a16:creationId xmlns:a16="http://schemas.microsoft.com/office/drawing/2014/main" id="{113A4C39-B159-5A98-30A5-EA98880978D5}"/>
               </a:ext>
             </a:extLst>
           </p:cNvPr>
@@ -3853,294 +3853,15 @@
         </p:nvSpPr>
         <p:spPr>
           <a:xfrm>
-            <a:off x="6999767" y="5070680"/>
-            <a:ext cx="1117604" cy="634672"/>
+            <a:off x="9471376" y="1887475"/>
+            <a:ext cx="2099734" cy="1386304"/>
           </a:xfrm>
           <a:prstGeom prst="rect">
             <a:avLst/>
           </a:prstGeom>
-        </p:spPr>
-        <p:style>
-          <a:lnRef idx="2">
-            <a:schemeClr val="accent6"/>
-          </a:lnRef>
-          <a:fillRef idx="1">
-            <a:schemeClr val="lt1"/>
-          </a:fillRef>
-          <a:effectRef idx="0">
-            <a:schemeClr val="accent6"/>
-          </a:effectRef>
-          <a:fontRef idx="minor">
-            <a:schemeClr val="dk1"/>
-          </a:fontRef>
-        </p:style>
-        <p:txBody>
-          <a:bodyPr rtlCol="0" anchor="ctr"/>
-          <a:lstStyle/>
-          <a:p>
-            <a:pPr algn="ctr"/>
-            <a:r>
-              <a:rPr lang="pt-BR" dirty="0"/>
-              <a:t>Meta</a:t>
-            </a:r>
-          </a:p>
-        </p:txBody>
-      </p:sp>
-      <p:sp>
-        <p:nvSpPr>
-          <p:cNvPr id="6" name="Retângulo 5">
-            <a:extLst>
-              <a:ext uri="{FF2B5EF4-FFF2-40B4-BE49-F238E27FC236}">
-                <a16:creationId xmlns:a16="http://schemas.microsoft.com/office/drawing/2014/main" id="{AF2779E9-F160-F61B-C863-F8158E34B588}"/>
-              </a:ext>
-            </a:extLst>
-          </p:cNvPr>
-          <p:cNvSpPr/>
-          <p:nvPr/>
-        </p:nvSpPr>
-        <p:spPr>
-          <a:xfrm>
-            <a:off x="8346558" y="3923414"/>
-            <a:ext cx="2627424" cy="634672"/>
-          </a:xfrm>
-          <a:prstGeom prst="rect">
-            <a:avLst/>
-          </a:prstGeom>
-        </p:spPr>
-        <p:style>
-          <a:lnRef idx="2">
-            <a:schemeClr val="accent6"/>
-          </a:lnRef>
-          <a:fillRef idx="1">
-            <a:schemeClr val="lt1"/>
-          </a:fillRef>
-          <a:effectRef idx="0">
-            <a:schemeClr val="accent6"/>
-          </a:effectRef>
-          <a:fontRef idx="minor">
-            <a:schemeClr val="dk1"/>
-          </a:fontRef>
-        </p:style>
-        <p:txBody>
-          <a:bodyPr rtlCol="0" anchor="ctr"/>
-          <a:lstStyle/>
-          <a:p>
-            <a:pPr algn="ctr"/>
-            <a:r>
-              <a:rPr lang="pt-BR" dirty="0"/>
-              <a:t>Lançamento (</a:t>
-            </a:r>
-            <a:r>
-              <a:rPr lang="pt-BR" dirty="0" err="1"/>
-              <a:t>id_usuario</a:t>
-            </a:r>
-            <a:r>
-              <a:rPr lang="pt-BR" dirty="0"/>
-              <a:t>)</a:t>
-            </a:r>
-          </a:p>
-        </p:txBody>
-      </p:sp>
-      <p:sp>
-        <p:nvSpPr>
-          <p:cNvPr id="8" name="Retângulo 7">
-            <a:extLst>
-              <a:ext uri="{FF2B5EF4-FFF2-40B4-BE49-F238E27FC236}">
-                <a16:creationId xmlns:a16="http://schemas.microsoft.com/office/drawing/2014/main" id="{6DAFCAD3-79CE-4466-F491-ABDA10FF1B82}"/>
-              </a:ext>
-            </a:extLst>
-          </p:cNvPr>
-          <p:cNvSpPr/>
-          <p:nvPr/>
-        </p:nvSpPr>
-        <p:spPr>
-          <a:xfrm>
-            <a:off x="8495416" y="5583274"/>
-            <a:ext cx="2329708" cy="634672"/>
-          </a:xfrm>
-          <a:prstGeom prst="rect">
-            <a:avLst/>
-          </a:prstGeom>
-        </p:spPr>
-        <p:style>
-          <a:lnRef idx="2">
-            <a:schemeClr val="accent6"/>
-          </a:lnRef>
-          <a:fillRef idx="1">
-            <a:schemeClr val="lt1"/>
-          </a:fillRef>
-          <a:effectRef idx="0">
-            <a:schemeClr val="accent6"/>
-          </a:effectRef>
-          <a:fontRef idx="minor">
-            <a:schemeClr val="dk1"/>
-          </a:fontRef>
-        </p:style>
-        <p:txBody>
-          <a:bodyPr rtlCol="0" anchor="ctr"/>
-          <a:lstStyle/>
-          <a:p>
-            <a:pPr algn="ctr"/>
-            <a:r>
-              <a:rPr lang="pt-BR" dirty="0"/>
-              <a:t>Receita? Despesa?</a:t>
-            </a:r>
-          </a:p>
-        </p:txBody>
-      </p:sp>
-      <p:cxnSp>
-        <p:nvCxnSpPr>
-          <p:cNvPr id="10" name="Conector de Seta Reta 9">
-            <a:extLst>
-              <a:ext uri="{FF2B5EF4-FFF2-40B4-BE49-F238E27FC236}">
-                <a16:creationId xmlns:a16="http://schemas.microsoft.com/office/drawing/2014/main" id="{750CB84F-3FEC-5EFD-FB58-3051842489B3}"/>
-              </a:ext>
-            </a:extLst>
-          </p:cNvPr>
-          <p:cNvCxnSpPr>
-            <a:cxnSpLocks/>
-            <a:stCxn id="6" idx="2"/>
-            <a:endCxn id="8" idx="0"/>
-          </p:cNvCxnSpPr>
-          <p:nvPr/>
-        </p:nvCxnSpPr>
-        <p:spPr>
-          <a:xfrm>
-            <a:off x="9660270" y="4558086"/>
-            <a:ext cx="0" cy="1025188"/>
-          </a:xfrm>
-          <a:prstGeom prst="straightConnector1">
-            <a:avLst/>
-          </a:prstGeom>
-          <a:ln>
-            <a:tailEnd type="triangle"/>
-          </a:ln>
-        </p:spPr>
-        <p:style>
-          <a:lnRef idx="1">
-            <a:schemeClr val="dk1"/>
-          </a:lnRef>
-          <a:fillRef idx="0">
-            <a:schemeClr val="dk1"/>
-          </a:fillRef>
-          <a:effectRef idx="0">
-            <a:schemeClr val="dk1"/>
-          </a:effectRef>
-          <a:fontRef idx="minor">
-            <a:schemeClr val="tx1"/>
-          </a:fontRef>
-        </p:style>
-      </p:cxnSp>
-      <p:cxnSp>
-        <p:nvCxnSpPr>
-          <p:cNvPr id="12" name="Conector: Angulado 11">
-            <a:extLst>
-              <a:ext uri="{FF2B5EF4-FFF2-40B4-BE49-F238E27FC236}">
-                <a16:creationId xmlns:a16="http://schemas.microsoft.com/office/drawing/2014/main" id="{0A68CE12-6A45-D3BD-CA0B-A7D4F3BCFB34}"/>
-              </a:ext>
-            </a:extLst>
-          </p:cNvPr>
-          <p:cNvCxnSpPr>
-            <a:cxnSpLocks/>
-            <a:stCxn id="8" idx="1"/>
-            <a:endCxn id="5" idx="2"/>
-          </p:cNvCxnSpPr>
-          <p:nvPr/>
-        </p:nvCxnSpPr>
-        <p:spPr>
-          <a:xfrm rot="10800000">
-            <a:off x="7558570" y="5705352"/>
-            <a:ext cx="936847" cy="195258"/>
-          </a:xfrm>
-          <a:prstGeom prst="bentConnector2">
-            <a:avLst/>
-          </a:prstGeom>
-          <a:ln>
-            <a:tailEnd type="triangle"/>
-          </a:ln>
-        </p:spPr>
-        <p:style>
-          <a:lnRef idx="1">
-            <a:schemeClr val="dk1"/>
-          </a:lnRef>
-          <a:fillRef idx="0">
-            <a:schemeClr val="dk1"/>
-          </a:fillRef>
-          <a:effectRef idx="0">
-            <a:schemeClr val="dk1"/>
-          </a:effectRef>
-          <a:fontRef idx="minor">
-            <a:schemeClr val="tx1"/>
-          </a:fontRef>
-        </p:style>
-      </p:cxnSp>
-      <p:sp>
-        <p:nvSpPr>
-          <p:cNvPr id="22" name="Retângulo 21">
-            <a:extLst>
-              <a:ext uri="{FF2B5EF4-FFF2-40B4-BE49-F238E27FC236}">
-                <a16:creationId xmlns:a16="http://schemas.microsoft.com/office/drawing/2014/main" id="{518E8DD7-085A-2C24-8413-7A7A20CFEB15}"/>
-              </a:ext>
-            </a:extLst>
-          </p:cNvPr>
-          <p:cNvSpPr/>
-          <p:nvPr/>
-        </p:nvSpPr>
-        <p:spPr>
-          <a:xfrm>
-            <a:off x="9101468" y="2263554"/>
-            <a:ext cx="1117604" cy="634672"/>
-          </a:xfrm>
-          <a:prstGeom prst="rect">
-            <a:avLst/>
-          </a:prstGeom>
-        </p:spPr>
-        <p:style>
-          <a:lnRef idx="2">
-            <a:schemeClr val="accent6"/>
-          </a:lnRef>
-          <a:fillRef idx="1">
-            <a:schemeClr val="lt1"/>
-          </a:fillRef>
-          <a:effectRef idx="0">
-            <a:schemeClr val="accent6"/>
-          </a:effectRef>
-          <a:fontRef idx="minor">
-            <a:schemeClr val="dk1"/>
-          </a:fontRef>
-        </p:style>
-        <p:txBody>
-          <a:bodyPr rtlCol="0" anchor="ctr"/>
-          <a:lstStyle/>
-          <a:p>
-            <a:pPr algn="ctr"/>
-            <a:r>
-              <a:rPr lang="pt-BR" dirty="0"/>
-              <a:t>Meta</a:t>
-            </a:r>
-          </a:p>
-        </p:txBody>
-      </p:sp>
-      <p:sp>
-        <p:nvSpPr>
-          <p:cNvPr id="26" name="Seta: para Baixo 25">
-            <a:extLst>
-              <a:ext uri="{FF2B5EF4-FFF2-40B4-BE49-F238E27FC236}">
-                <a16:creationId xmlns:a16="http://schemas.microsoft.com/office/drawing/2014/main" id="{1F943066-2F28-BFDB-DAB4-CBB3340BF182}"/>
-              </a:ext>
-            </a:extLst>
-          </p:cNvPr>
-          <p:cNvSpPr/>
-          <p:nvPr/>
-        </p:nvSpPr>
-        <p:spPr>
-          <a:xfrm>
-            <a:off x="9418084" y="2898226"/>
-            <a:ext cx="484372" cy="950760"/>
-          </a:xfrm>
-          <a:prstGeom prst="downArrow">
-            <a:avLst/>
-          </a:prstGeom>
+          <a:solidFill>
+            <a:srgbClr val="FF0000"/>
+          </a:solidFill>
         </p:spPr>
         <p:style>
           <a:lnRef idx="2">
@@ -4163,16 +3884,26 @@
           <a:lstStyle/>
           <a:p>
             <a:pPr algn="ctr"/>
-            <a:endParaRPr lang="pt-BR"/>
-          </a:p>
-        </p:txBody>
-      </p:sp>
-      <p:sp>
-        <p:nvSpPr>
-          <p:cNvPr id="27" name="Retângulo 26">
-            <a:extLst>
-              <a:ext uri="{FF2B5EF4-FFF2-40B4-BE49-F238E27FC236}">
-                <a16:creationId xmlns:a16="http://schemas.microsoft.com/office/drawing/2014/main" id="{36A74401-4445-0F64-25BF-6CC6775914C1}"/>
+            <a:r>
+              <a:rPr lang="pt-BR" dirty="0"/>
+              <a:t>Meta</a:t>
+            </a:r>
+          </a:p>
+          <a:p>
+            <a:pPr algn="ctr"/>
+            <a:r>
+              <a:rPr lang="pt-BR" dirty="0"/>
+              <a:t>2000</a:t>
+            </a:r>
+          </a:p>
+        </p:txBody>
+      </p:sp>
+      <p:sp>
+        <p:nvSpPr>
+          <p:cNvPr id="7" name="Retângulo 6">
+            <a:extLst>
+              <a:ext uri="{FF2B5EF4-FFF2-40B4-BE49-F238E27FC236}">
+                <a16:creationId xmlns:a16="http://schemas.microsoft.com/office/drawing/2014/main" id="{E0A6AA6D-52A4-B0A7-FED5-6D2CDAD550BE}"/>
               </a:ext>
             </a:extLst>
           </p:cNvPr>
@@ -4181,12 +3912,65 @@
         </p:nvSpPr>
         <p:spPr>
           <a:xfrm>
-            <a:off x="318977" y="1690577"/>
-            <a:ext cx="6031022" cy="4635795"/>
+            <a:off x="6587066" y="3609327"/>
+            <a:ext cx="2099734" cy="2774537"/>
           </a:xfrm>
           <a:prstGeom prst="rect">
             <a:avLst/>
           </a:prstGeom>
+          <a:solidFill>
+            <a:schemeClr val="accent6"/>
+          </a:solidFill>
+        </p:spPr>
+        <p:style>
+          <a:lnRef idx="2">
+            <a:schemeClr val="accent1">
+              <a:shade val="50000"/>
+            </a:schemeClr>
+          </a:lnRef>
+          <a:fillRef idx="1">
+            <a:schemeClr val="accent1"/>
+          </a:fillRef>
+          <a:effectRef idx="0">
+            <a:schemeClr val="accent1"/>
+          </a:effectRef>
+          <a:fontRef idx="minor">
+            <a:schemeClr val="lt1"/>
+          </a:fontRef>
+        </p:style>
+        <p:txBody>
+          <a:bodyPr rtlCol="0" anchor="ctr"/>
+          <a:lstStyle/>
+          <a:p>
+            <a:pPr algn="ctr"/>
+            <a:r>
+              <a:rPr lang="pt-BR" dirty="0"/>
+              <a:t>1500</a:t>
+            </a:r>
+          </a:p>
+        </p:txBody>
+      </p:sp>
+      <p:sp>
+        <p:nvSpPr>
+          <p:cNvPr id="14" name="Retângulo 13">
+            <a:extLst>
+              <a:ext uri="{FF2B5EF4-FFF2-40B4-BE49-F238E27FC236}">
+                <a16:creationId xmlns:a16="http://schemas.microsoft.com/office/drawing/2014/main" id="{645D368C-952B-0577-3B0D-BFFF73CEDBFA}"/>
+              </a:ext>
+            </a:extLst>
+          </p:cNvPr>
+          <p:cNvSpPr/>
+          <p:nvPr/>
+        </p:nvSpPr>
+        <p:spPr>
+          <a:xfrm>
+            <a:off x="6587066" y="1885242"/>
+            <a:ext cx="2099734" cy="4498623"/>
+          </a:xfrm>
+          <a:prstGeom prst="rect">
+            <a:avLst/>
+          </a:prstGeom>
+          <a:noFill/>
         </p:spPr>
         <p:style>
           <a:lnRef idx="2">
@@ -4206,148 +3990,218 @@
           <a:bodyPr rtlCol="0" anchor="ctr"/>
           <a:lstStyle/>
           <a:p>
-            <a:r>
-              <a:rPr lang="pt-BR" dirty="0"/>
-              <a:t>Lançamento (na conta):</a:t>
-            </a:r>
-          </a:p>
-          <a:p>
-            <a:endParaRPr lang="pt-BR" dirty="0"/>
-          </a:p>
-          <a:p>
-            <a:r>
-              <a:rPr lang="pt-BR" dirty="0"/>
-              <a:t>  Receita:</a:t>
-            </a:r>
-          </a:p>
-          <a:p>
-            <a:r>
-              <a:rPr lang="pt-BR" dirty="0"/>
-              <a:t>    </a:t>
-            </a:r>
-            <a:r>
-              <a:rPr lang="pt-BR" dirty="0" err="1"/>
-              <a:t>if</a:t>
-            </a:r>
-            <a:r>
-              <a:rPr lang="pt-BR" dirty="0"/>
-              <a:t>(existe meta){</a:t>
-            </a:r>
-          </a:p>
-          <a:p>
-            <a:r>
-              <a:rPr lang="pt-BR" dirty="0"/>
-              <a:t>    	</a:t>
-            </a:r>
-            <a:r>
-              <a:rPr lang="pt-BR" dirty="0" err="1"/>
-              <a:t>If</a:t>
-            </a:r>
-            <a:r>
-              <a:rPr lang="pt-BR" dirty="0"/>
-              <a:t>(meta selecionada) {</a:t>
-            </a:r>
-          </a:p>
-          <a:p>
-            <a:r>
-              <a:rPr lang="pt-BR" dirty="0"/>
-              <a:t>         		receita: + na meta(selecionada);</a:t>
-            </a:r>
-          </a:p>
-          <a:p>
-            <a:r>
-              <a:rPr lang="pt-BR" dirty="0"/>
-              <a:t>    	}</a:t>
-            </a:r>
-          </a:p>
-          <a:p>
-            <a:r>
-              <a:rPr lang="pt-BR" dirty="0"/>
-              <a:t>    }</a:t>
-            </a:r>
-          </a:p>
-          <a:p>
-            <a:endParaRPr lang="pt-BR" dirty="0"/>
-          </a:p>
-          <a:p>
-            <a:r>
-              <a:rPr lang="pt-BR" dirty="0" err="1"/>
-              <a:t>depesa</a:t>
-            </a:r>
-            <a:r>
-              <a:rPr lang="pt-BR" dirty="0"/>
-              <a:t>(na conta da meta):</a:t>
-            </a:r>
-          </a:p>
-          <a:p>
-            <a:r>
-              <a:rPr lang="pt-BR" dirty="0"/>
-              <a:t>   </a:t>
-            </a:r>
-            <a:r>
-              <a:rPr lang="pt-BR" dirty="0" err="1"/>
-              <a:t>if</a:t>
-            </a:r>
-            <a:r>
-              <a:rPr lang="pt-BR" dirty="0"/>
-              <a:t>(existe meta) {</a:t>
-            </a:r>
-          </a:p>
-          <a:p>
-            <a:r>
-              <a:rPr lang="pt-BR" dirty="0"/>
-              <a:t>	- na meta(selecionada)[</a:t>
-            </a:r>
-            <a:r>
-              <a:rPr lang="pt-BR" dirty="0" err="1"/>
-              <a:t>required</a:t>
-            </a:r>
-            <a:r>
-              <a:rPr lang="pt-BR" dirty="0"/>
-              <a:t>]</a:t>
-            </a:r>
-          </a:p>
-          <a:p>
-            <a:r>
-              <a:rPr lang="pt-BR" dirty="0"/>
-              <a:t>   }</a:t>
-            </a:r>
-          </a:p>
-        </p:txBody>
-      </p:sp>
-      <p:sp>
-        <p:nvSpPr>
-          <p:cNvPr id="28" name="Retângulo 27">
-            <a:extLst>
-              <a:ext uri="{FF2B5EF4-FFF2-40B4-BE49-F238E27FC236}">
-                <a16:creationId xmlns:a16="http://schemas.microsoft.com/office/drawing/2014/main" id="{7DDC9848-8199-825E-8702-1AD44F633543}"/>
-              </a:ext>
-            </a:extLst>
-          </p:cNvPr>
-          <p:cNvSpPr/>
+            <a:pPr algn="ctr"/>
+            <a:r>
+              <a:rPr lang="pt-BR" dirty="0"/>
+              <a:t>conta</a:t>
+            </a:r>
+          </a:p>
+        </p:txBody>
+      </p:sp>
+      <p:sp>
+        <p:nvSpPr>
+          <p:cNvPr id="17" name="CaixaDeTexto 16">
+            <a:extLst>
+              <a:ext uri="{FF2B5EF4-FFF2-40B4-BE49-F238E27FC236}">
+                <a16:creationId xmlns:a16="http://schemas.microsoft.com/office/drawing/2014/main" id="{9C8BBE9A-85C6-37AA-BBFD-4C5D2D7E1589}"/>
+              </a:ext>
+            </a:extLst>
+          </p:cNvPr>
+          <p:cNvSpPr txBox="1"/>
           <p:nvPr/>
         </p:nvSpPr>
         <p:spPr>
           <a:xfrm>
-            <a:off x="6956052" y="1690576"/>
-            <a:ext cx="1539364" cy="2037579"/>
+            <a:off x="259644" y="1024004"/>
+            <a:ext cx="6062134" cy="3693319"/>
           </a:xfrm>
           <a:prstGeom prst="rect">
             <a:avLst/>
           </a:prstGeom>
+          <a:noFill/>
+        </p:spPr>
+        <p:txBody>
+          <a:bodyPr wrap="square" rtlCol="0">
+            <a:spAutoFit/>
+          </a:bodyPr>
+          <a:lstStyle/>
+          <a:p>
+            <a:r>
+              <a:rPr lang="pt-BR" dirty="0" err="1"/>
+              <a:t>If</a:t>
+            </a:r>
+            <a:r>
+              <a:rPr lang="pt-BR" dirty="0"/>
+              <a:t>(receita)</a:t>
+            </a:r>
+          </a:p>
+          <a:p>
+            <a:r>
+              <a:rPr lang="pt-BR" dirty="0"/>
+              <a:t>{</a:t>
+            </a:r>
+          </a:p>
+          <a:p>
+            <a:r>
+              <a:rPr lang="pt-BR" dirty="0"/>
+              <a:t>   </a:t>
+            </a:r>
+            <a:r>
+              <a:rPr lang="pt-BR" dirty="0" err="1"/>
+              <a:t>If</a:t>
+            </a:r>
+            <a:r>
+              <a:rPr lang="pt-BR" dirty="0"/>
+              <a:t>(alguma meta está ativa){</a:t>
+            </a:r>
+          </a:p>
+          <a:p>
+            <a:r>
+              <a:rPr lang="pt-BR" dirty="0"/>
+              <a:t>	SELECT </a:t>
+            </a:r>
+            <a:r>
+              <a:rPr lang="pt-BR" dirty="0" err="1"/>
+              <a:t>valor.meta</a:t>
+            </a:r>
+            <a:r>
+              <a:rPr lang="pt-BR" dirty="0"/>
+              <a:t> INNER JOIN </a:t>
+            </a:r>
+            <a:r>
+              <a:rPr lang="pt-BR" dirty="0" err="1"/>
+              <a:t>total.conta</a:t>
+            </a:r>
+            <a:endParaRPr lang="pt-BR" dirty="0"/>
+          </a:p>
+          <a:p>
+            <a:endParaRPr lang="pt-BR" dirty="0"/>
+          </a:p>
+          <a:p>
+            <a:r>
+              <a:rPr lang="pt-BR" dirty="0"/>
+              <a:t>	</a:t>
+            </a:r>
+            <a:r>
+              <a:rPr lang="pt-BR" dirty="0" err="1"/>
+              <a:t>if</a:t>
+            </a:r>
+            <a:r>
+              <a:rPr lang="pt-BR" dirty="0"/>
+              <a:t>(</a:t>
+            </a:r>
+            <a:r>
+              <a:rPr lang="pt-BR" dirty="0" err="1"/>
+              <a:t>total.conta</a:t>
+            </a:r>
+            <a:r>
+              <a:rPr lang="pt-BR" dirty="0"/>
+              <a:t> &gt;= </a:t>
+            </a:r>
+            <a:r>
+              <a:rPr lang="pt-BR" dirty="0" err="1"/>
+              <a:t>valor.meta</a:t>
+            </a:r>
+            <a:r>
+              <a:rPr lang="pt-BR" dirty="0"/>
+              <a:t>)</a:t>
+            </a:r>
+          </a:p>
+          <a:p>
+            <a:r>
+              <a:rPr lang="pt-BR" dirty="0"/>
+              <a:t>		UPDATE </a:t>
+            </a:r>
+            <a:r>
+              <a:rPr lang="pt-BR" dirty="0" err="1"/>
+              <a:t>meta.status</a:t>
+            </a:r>
+            <a:r>
+              <a:rPr lang="pt-BR" dirty="0"/>
+              <a:t> = 3;</a:t>
+            </a:r>
+          </a:p>
+          <a:p>
+            <a:r>
+              <a:rPr lang="pt-BR" dirty="0"/>
+              <a:t>	UPDATE meta com menor data e Status = pausado	</a:t>
+            </a:r>
+          </a:p>
+          <a:p>
+            <a:r>
+              <a:rPr lang="pt-BR" dirty="0"/>
+              <a:t>  } </a:t>
+            </a:r>
+            <a:r>
+              <a:rPr lang="pt-BR" dirty="0" err="1"/>
+              <a:t>else</a:t>
+            </a:r>
+            <a:r>
+              <a:rPr lang="pt-BR" dirty="0"/>
+              <a:t>{</a:t>
+            </a:r>
+          </a:p>
+          <a:p>
+            <a:r>
+              <a:rPr lang="pt-BR" dirty="0"/>
+              <a:t>  UPDATE meta com menor data e Status = pausado  </a:t>
+            </a:r>
+          </a:p>
+          <a:p>
+            <a:r>
+              <a:rPr lang="pt-BR" dirty="0"/>
+              <a:t>  }</a:t>
+            </a:r>
+          </a:p>
+          <a:p>
+            <a:r>
+              <a:rPr lang="pt-BR" dirty="0"/>
+              <a:t>}</a:t>
+            </a:r>
+          </a:p>
+        </p:txBody>
+      </p:sp>
+      <p:sp>
+        <p:nvSpPr>
+          <p:cNvPr id="18" name="Retângulo 17">
+            <a:extLst>
+              <a:ext uri="{FF2B5EF4-FFF2-40B4-BE49-F238E27FC236}">
+                <a16:creationId xmlns:a16="http://schemas.microsoft.com/office/drawing/2014/main" id="{87147B3C-B0F9-07A3-7C4E-8F7E4B687418}"/>
+              </a:ext>
+            </a:extLst>
+          </p:cNvPr>
+          <p:cNvSpPr/>
+          <p:nvPr/>
+        </p:nvSpPr>
+        <p:spPr>
+          <a:xfrm>
+            <a:off x="259644" y="4967111"/>
+            <a:ext cx="5836356" cy="1416753"/>
+          </a:xfrm>
+          <a:prstGeom prst="rect">
+            <a:avLst/>
+          </a:prstGeom>
+          <a:noFill/>
+          <a:ln>
+            <a:solidFill>
+              <a:schemeClr val="accent6"/>
+            </a:solidFill>
+          </a:ln>
         </p:spPr>
         <p:style>
           <a:lnRef idx="2">
-            <a:schemeClr val="accent6"/>
+            <a:schemeClr val="accent1">
+              <a:shade val="50000"/>
+            </a:schemeClr>
           </a:lnRef>
           <a:fillRef idx="1">
-            <a:schemeClr val="lt1"/>
+            <a:schemeClr val="accent1"/>
           </a:fillRef>
           <a:effectRef idx="0">
-            <a:schemeClr val="accent6"/>
+            <a:schemeClr val="accent1"/>
           </a:effectRef>
           <a:fontRef idx="minor">
-            <a:schemeClr val="dk1"/>
+            <a:schemeClr val="lt1"/>
           </a:fontRef>
         </p:style>
         <p:txBody>
@@ -4356,29 +4210,106 @@
           <a:p>
             <a:pPr algn="ctr"/>
             <a:r>
-              <a:rPr lang="pt-BR" dirty="0"/>
-              <a:t>Ativo:</a:t>
-            </a:r>
-          </a:p>
-          <a:p>
-            <a:pPr algn="ctr"/>
-            <a:r>
-              <a:rPr lang="pt-BR" dirty="0"/>
-              <a:t>0 – desligada</a:t>
-            </a:r>
-          </a:p>
-          <a:p>
-            <a:pPr algn="ctr"/>
-            <a:r>
-              <a:rPr lang="pt-BR" dirty="0"/>
-              <a:t>1 – ativa</a:t>
-            </a:r>
-          </a:p>
-          <a:p>
-            <a:pPr algn="ctr"/>
-            <a:r>
-              <a:rPr lang="pt-BR" dirty="0"/>
-              <a:t>2 - pausada</a:t>
+              <a:rPr lang="pt-BR" dirty="0">
+                <a:solidFill>
+                  <a:sysClr val="windowText" lastClr="000000"/>
+                </a:solidFill>
+              </a:rPr>
+              <a:t>Status:</a:t>
+            </a:r>
+          </a:p>
+          <a:p>
+            <a:pPr algn="ctr"/>
+            <a:r>
+              <a:rPr lang="pt-BR" dirty="0">
+                <a:solidFill>
+                  <a:sysClr val="windowText" lastClr="000000"/>
+                </a:solidFill>
+              </a:rPr>
+              <a:t> Falha  | Ativo</a:t>
+            </a:r>
+          </a:p>
+          <a:p>
+            <a:pPr algn="ctr"/>
+            <a:r>
+              <a:rPr lang="pt-BR" dirty="0">
+                <a:solidFill>
+                  <a:sysClr val="windowText" lastClr="000000"/>
+                </a:solidFill>
+              </a:rPr>
+              <a:t>Pausado | </a:t>
+            </a:r>
+            <a:r>
+              <a:rPr lang="pt-BR" dirty="0" err="1">
+                <a:solidFill>
+                  <a:sysClr val="windowText" lastClr="000000"/>
+                </a:solidFill>
+              </a:rPr>
+              <a:t>Concluido</a:t>
+            </a:r>
+            <a:endParaRPr lang="pt-BR" dirty="0">
+              <a:solidFill>
+                <a:sysClr val="windowText" lastClr="000000"/>
+              </a:solidFill>
+            </a:endParaRPr>
+          </a:p>
+        </p:txBody>
+      </p:sp>
+      <p:sp>
+        <p:nvSpPr>
+          <p:cNvPr id="24" name="Retângulo 23">
+            <a:extLst>
+              <a:ext uri="{FF2B5EF4-FFF2-40B4-BE49-F238E27FC236}">
+                <a16:creationId xmlns:a16="http://schemas.microsoft.com/office/drawing/2014/main" id="{C1C70476-3A88-9E68-FF6F-08C1871D696C}"/>
+              </a:ext>
+            </a:extLst>
+          </p:cNvPr>
+          <p:cNvSpPr/>
+          <p:nvPr/>
+        </p:nvSpPr>
+        <p:spPr>
+          <a:xfrm>
+            <a:off x="9471376" y="3429000"/>
+            <a:ext cx="2099734" cy="1207912"/>
+          </a:xfrm>
+          <a:prstGeom prst="rect">
+            <a:avLst/>
+          </a:prstGeom>
+          <a:solidFill>
+            <a:schemeClr val="accent6"/>
+          </a:solidFill>
+        </p:spPr>
+        <p:style>
+          <a:lnRef idx="2">
+            <a:schemeClr val="accent1">
+              <a:shade val="50000"/>
+            </a:schemeClr>
+          </a:lnRef>
+          <a:fillRef idx="1">
+            <a:schemeClr val="accent1"/>
+          </a:fillRef>
+          <a:effectRef idx="0">
+            <a:schemeClr val="accent1"/>
+          </a:effectRef>
+          <a:fontRef idx="minor">
+            <a:schemeClr val="lt1"/>
+          </a:fontRef>
+        </p:style>
+        <p:txBody>
+          <a:bodyPr rtlCol="0" anchor="ctr"/>
+          <a:lstStyle/>
+          <a:p>
+            <a:pPr algn="ctr"/>
+            <a:r>
+              <a:rPr lang="pt-BR" dirty="0"/>
+              <a:t>Meta</a:t>
+            </a:r>
+          </a:p>
+          <a:p>
+            <a:pPr algn="ctr"/>
+            <a:r>
+              <a:rPr lang="pt-BR" dirty="0"/>
+              <a:t>2000</a:t>
             </a:r>
           </a:p>
         </p:txBody>
@@ -5186,6 +5117,207 @@
           </a:p>
           <a:p>
             <a:endParaRPr lang="pt-BR" u="sng" dirty="0"/>
+          </a:p>
+        </p:txBody>
+      </p:sp>
+      <p:sp>
+        <p:nvSpPr>
+          <p:cNvPr id="5" name="Retângulo 4">
+            <a:extLst>
+              <a:ext uri="{FF2B5EF4-FFF2-40B4-BE49-F238E27FC236}">
+                <a16:creationId xmlns:a16="http://schemas.microsoft.com/office/drawing/2014/main" id="{72947C63-F0EF-AF65-F1B3-C51492A7CFC2}"/>
+              </a:ext>
+            </a:extLst>
+          </p:cNvPr>
+          <p:cNvSpPr/>
+          <p:nvPr/>
+        </p:nvSpPr>
+        <p:spPr>
+          <a:xfrm>
+            <a:off x="790222" y="2167467"/>
+            <a:ext cx="2607734" cy="4052711"/>
+          </a:xfrm>
+          <a:prstGeom prst="rect">
+            <a:avLst/>
+          </a:prstGeom>
+        </p:spPr>
+        <p:style>
+          <a:lnRef idx="2">
+            <a:schemeClr val="accent1">
+              <a:shade val="50000"/>
+            </a:schemeClr>
+          </a:lnRef>
+          <a:fillRef idx="1">
+            <a:schemeClr val="accent1"/>
+          </a:fillRef>
+          <a:effectRef idx="0">
+            <a:schemeClr val="accent1"/>
+          </a:effectRef>
+          <a:fontRef idx="minor">
+            <a:schemeClr val="lt1"/>
+          </a:fontRef>
+        </p:style>
+        <p:txBody>
+          <a:bodyPr rtlCol="0" anchor="ctr"/>
+          <a:lstStyle/>
+          <a:p>
+            <a:pPr algn="ctr"/>
+            <a:r>
+              <a:rPr lang="pt-BR" dirty="0"/>
+              <a:t>Parcela 1</a:t>
+            </a:r>
+          </a:p>
+          <a:p>
+            <a:pPr algn="ctr"/>
+            <a:r>
+              <a:rPr lang="pt-BR" dirty="0"/>
+              <a:t>01/06</a:t>
+            </a:r>
+          </a:p>
+          <a:p>
+            <a:pPr algn="ctr"/>
+            <a:endParaRPr lang="pt-BR" dirty="0"/>
+          </a:p>
+          <a:p>
+            <a:pPr algn="ctr"/>
+            <a:r>
+              <a:rPr lang="pt-BR" dirty="0"/>
+              <a:t>meta1</a:t>
+            </a:r>
+          </a:p>
+        </p:txBody>
+      </p:sp>
+      <p:sp>
+        <p:nvSpPr>
+          <p:cNvPr id="6" name="Retângulo 5">
+            <a:extLst>
+              <a:ext uri="{FF2B5EF4-FFF2-40B4-BE49-F238E27FC236}">
+                <a16:creationId xmlns:a16="http://schemas.microsoft.com/office/drawing/2014/main" id="{ADC5214F-771F-9762-F5CA-61A9F0F43D13}"/>
+              </a:ext>
+            </a:extLst>
+          </p:cNvPr>
+          <p:cNvSpPr/>
+          <p:nvPr/>
+        </p:nvSpPr>
+        <p:spPr>
+          <a:xfrm>
+            <a:off x="3397956" y="2167464"/>
+            <a:ext cx="2607734" cy="4052711"/>
+          </a:xfrm>
+          <a:prstGeom prst="rect">
+            <a:avLst/>
+          </a:prstGeom>
+        </p:spPr>
+        <p:style>
+          <a:lnRef idx="2">
+            <a:schemeClr val="accent1">
+              <a:shade val="50000"/>
+            </a:schemeClr>
+          </a:lnRef>
+          <a:fillRef idx="1">
+            <a:schemeClr val="accent1"/>
+          </a:fillRef>
+          <a:effectRef idx="0">
+            <a:schemeClr val="accent1"/>
+          </a:effectRef>
+          <a:fontRef idx="minor">
+            <a:schemeClr val="lt1"/>
+          </a:fontRef>
+        </p:style>
+        <p:txBody>
+          <a:bodyPr rtlCol="0" anchor="ctr"/>
+          <a:lstStyle/>
+          <a:p>
+            <a:pPr algn="ctr"/>
+            <a:r>
+              <a:rPr lang="pt-BR" dirty="0"/>
+              <a:t>Parcela 2</a:t>
+            </a:r>
+          </a:p>
+          <a:p>
+            <a:pPr algn="ctr"/>
+            <a:r>
+              <a:rPr lang="pt-BR" dirty="0"/>
+              <a:t>16/06</a:t>
+            </a:r>
+          </a:p>
+          <a:p>
+            <a:pPr algn="ctr"/>
+            <a:endParaRPr lang="pt-BR" dirty="0"/>
+          </a:p>
+          <a:p>
+            <a:pPr algn="ctr"/>
+            <a:r>
+              <a:rPr lang="pt-BR" dirty="0"/>
+              <a:t>meta1</a:t>
+            </a:r>
+          </a:p>
+        </p:txBody>
+      </p:sp>
+      <p:sp>
+        <p:nvSpPr>
+          <p:cNvPr id="7" name="Retângulo 6">
+            <a:extLst>
+              <a:ext uri="{FF2B5EF4-FFF2-40B4-BE49-F238E27FC236}">
+                <a16:creationId xmlns:a16="http://schemas.microsoft.com/office/drawing/2014/main" id="{120F9D6E-7D94-F38A-56F6-1D4BA0304965}"/>
+              </a:ext>
+            </a:extLst>
+          </p:cNvPr>
+          <p:cNvSpPr/>
+          <p:nvPr/>
+        </p:nvSpPr>
+        <p:spPr>
+          <a:xfrm>
+            <a:off x="6005690" y="2167463"/>
+            <a:ext cx="2607734" cy="4052711"/>
+          </a:xfrm>
+          <a:prstGeom prst="rect">
+            <a:avLst/>
+          </a:prstGeom>
+        </p:spPr>
+        <p:style>
+          <a:lnRef idx="2">
+            <a:schemeClr val="accent1">
+              <a:shade val="50000"/>
+            </a:schemeClr>
+          </a:lnRef>
+          <a:fillRef idx="1">
+            <a:schemeClr val="accent1"/>
+          </a:fillRef>
+          <a:effectRef idx="0">
+            <a:schemeClr val="accent1"/>
+          </a:effectRef>
+          <a:fontRef idx="minor">
+            <a:schemeClr val="lt1"/>
+          </a:fontRef>
+        </p:style>
+        <p:txBody>
+          <a:bodyPr rtlCol="0" anchor="ctr"/>
+          <a:lstStyle/>
+          <a:p>
+            <a:pPr algn="ctr"/>
+            <a:r>
+              <a:rPr lang="pt-BR" dirty="0"/>
+              <a:t>Parcela 3</a:t>
+            </a:r>
+          </a:p>
+          <a:p>
+            <a:pPr algn="ctr"/>
+            <a:r>
+              <a:rPr lang="pt-BR" dirty="0"/>
+              <a:t>31/06</a:t>
+            </a:r>
+          </a:p>
+          <a:p>
+            <a:pPr algn="ctr"/>
+            <a:endParaRPr lang="pt-BR" dirty="0"/>
+          </a:p>
+          <a:p>
+            <a:pPr algn="ctr"/>
+            <a:r>
+              <a:rPr lang="pt-BR" dirty="0"/>
+              <a:t>meta1</a:t>
+            </a:r>
           </a:p>
         </p:txBody>
       </p:sp>
